--- a/.3 Apresentação/Apresentacao-Tecnica-SIAS.pptx
+++ b/.3 Apresentação/Apresentacao-Tecnica-SIAS.pptx
@@ -5,7 +5,7 @@
     <p:sldMasterId id="2147483648" r:id="rId1"/>
   </p:sldMasterIdLst>
   <p:notesMasterIdLst>
-    <p:notesMasterId r:id="rId10"/>
+    <p:notesMasterId r:id="rId11"/>
   </p:notesMasterIdLst>
   <p:sldIdLst>
     <p:sldId id="256" r:id="rId2"/>
@@ -16,25 +16,21 @@
     <p:sldId id="262" r:id="rId7"/>
     <p:sldId id="263" r:id="rId8"/>
     <p:sldId id="264" r:id="rId9"/>
+    <p:sldId id="266" r:id="rId10"/>
   </p:sldIdLst>
   <p:sldSz cx="14630400" cy="8229600"/>
   <p:notesSz cx="8229600" cy="14630400"/>
   <p:embeddedFontLst>
     <p:embeddedFont>
-      <p:font typeface="Calibri" panose="020F0502020204030204" pitchFamily="34" charset="0"/>
-      <p:regular r:id="rId11"/>
-      <p:bold r:id="rId12"/>
-      <p:italic r:id="rId13"/>
-      <p:boldItalic r:id="rId14"/>
-    </p:embeddedFont>
-    <p:embeddedFont>
-      <p:font typeface="DM Sans" panose="020B0604020202020204" charset="0"/>
-      <p:regular r:id="rId15"/>
+      <p:font typeface="DM Sans" pitchFamily="2" charset="0"/>
+      <p:regular r:id="rId12"/>
+      <p:bold r:id="rId13"/>
+      <p:italic r:id="rId14"/>
     </p:embeddedFont>
     <p:embeddedFont>
       <p:font typeface="PT Serif" panose="020A0603040505020204" pitchFamily="18" charset="0"/>
-      <p:regular r:id="rId16"/>
-      <p:bold r:id="rId17"/>
+      <p:regular r:id="rId15"/>
+      <p:bold r:id="rId16"/>
     </p:embeddedFont>
   </p:embeddedFontLst>
   <p:defaultTextStyle>
@@ -937,6 +933,114 @@
 </p:notes>
 </file>
 
+<file path=ppt/notesSlides/notesSlide9.xml><?xml version="1.0" encoding="utf-8"?>
+<p:notes xmlns:a="http://schemas.openxmlformats.org/drawingml/2006/main" xmlns:r="http://schemas.openxmlformats.org/officeDocument/2006/relationships" xmlns:p="http://schemas.openxmlformats.org/presentationml/2006/main">
+  <p:cSld>
+    <p:spTree>
+      <p:nvGrpSpPr>
+        <p:cNvPr id="1" name="">
+          <a:extLst>
+            <a:ext uri="{FF2B5EF4-FFF2-40B4-BE49-F238E27FC236}">
+              <a16:creationId xmlns:a16="http://schemas.microsoft.com/office/drawing/2014/main" id="{E2A3C4B9-7401-DC5B-E2C4-C74E782A8643}"/>
+            </a:ext>
+          </a:extLst>
+        </p:cNvPr>
+        <p:cNvGrpSpPr/>
+        <p:nvPr/>
+      </p:nvGrpSpPr>
+      <p:grpSpPr>
+        <a:xfrm>
+          <a:off x="0" y="0"/>
+          <a:ext cx="0" cy="0"/>
+          <a:chOff x="0" y="0"/>
+          <a:chExt cx="0" cy="0"/>
+        </a:xfrm>
+      </p:grpSpPr>
+      <p:sp>
+        <p:nvSpPr>
+          <p:cNvPr id="2" name="Slide Image Placeholder 1">
+            <a:extLst>
+              <a:ext uri="{FF2B5EF4-FFF2-40B4-BE49-F238E27FC236}">
+                <a16:creationId xmlns:a16="http://schemas.microsoft.com/office/drawing/2014/main" id="{470B8126-49CB-EA0F-0C86-746D150D4EF5}"/>
+              </a:ext>
+            </a:extLst>
+          </p:cNvPr>
+          <p:cNvSpPr>
+            <a:spLocks noGrp="1" noRot="1" noChangeAspect="1"/>
+          </p:cNvSpPr>
+          <p:nvPr>
+            <p:ph type="sldImg"/>
+          </p:nvPr>
+        </p:nvSpPr>
+        <p:spPr/>
+      </p:sp>
+      <p:sp>
+        <p:nvSpPr>
+          <p:cNvPr id="3" name="Notes Placeholder 2">
+            <a:extLst>
+              <a:ext uri="{FF2B5EF4-FFF2-40B4-BE49-F238E27FC236}">
+                <a16:creationId xmlns:a16="http://schemas.microsoft.com/office/drawing/2014/main" id="{757700F3-2D66-DF1E-C2D5-82B7626C6CD8}"/>
+              </a:ext>
+            </a:extLst>
+          </p:cNvPr>
+          <p:cNvSpPr>
+            <a:spLocks noGrp="1"/>
+          </p:cNvSpPr>
+          <p:nvPr>
+            <p:ph type="body" idx="1"/>
+          </p:nvPr>
+        </p:nvSpPr>
+        <p:spPr/>
+        <p:txBody>
+          <a:bodyPr/>
+          <a:lstStyle/>
+          <a:p>
+            <a:endParaRPr lang="en-US" dirty="0"/>
+          </a:p>
+        </p:txBody>
+      </p:sp>
+      <p:sp>
+        <p:nvSpPr>
+          <p:cNvPr id="4" name="Slide Number Placeholder 3">
+            <a:extLst>
+              <a:ext uri="{FF2B5EF4-FFF2-40B4-BE49-F238E27FC236}">
+                <a16:creationId xmlns:a16="http://schemas.microsoft.com/office/drawing/2014/main" id="{175699F4-01D1-2D40-ED82-ADC9B3AFAA25}"/>
+              </a:ext>
+            </a:extLst>
+          </p:cNvPr>
+          <p:cNvSpPr>
+            <a:spLocks noGrp="1"/>
+          </p:cNvSpPr>
+          <p:nvPr>
+            <p:ph type="sldNum" sz="quarter" idx="10"/>
+          </p:nvPr>
+        </p:nvSpPr>
+        <p:spPr/>
+        <p:txBody>
+          <a:bodyPr/>
+          <a:lstStyle/>
+          <a:p>
+            <a:fld id="{F7021451-1387-4CA6-816F-3879F97B5CBC}" type="slidenum">
+              <a:rPr lang="en-US"/>
+              <a:t>9</a:t>
+            </a:fld>
+            <a:endParaRPr lang="en-US"/>
+          </a:p>
+        </p:txBody>
+      </p:sp>
+    </p:spTree>
+    <p:extLst>
+      <p:ext uri="{BB962C8B-B14F-4D97-AF65-F5344CB8AC3E}">
+        <p14:creationId xmlns:p14="http://schemas.microsoft.com/office/powerpoint/2010/main" val="2836439788"/>
+      </p:ext>
+    </p:extLst>
+  </p:cSld>
+  <p:clrMapOvr>
+    <a:masterClrMapping/>
+  </p:clrMapOvr>
+</p:notes>
+</file>
+
 <file path=ppt/slideLayouts/slideLayout1.xml><?xml version="1.0" encoding="utf-8"?>
 <p:sldLayout xmlns:a="http://schemas.openxmlformats.org/drawingml/2006/main" xmlns:r="http://schemas.openxmlformats.org/officeDocument/2006/relationships" xmlns:p="http://schemas.openxmlformats.org/presentationml/2006/main" preserve="1">
   <p:cSld name="DEFAULT">
@@ -2586,6 +2690,13 @@
           </a:solidFill>
           <a:ln/>
         </p:spPr>
+        <p:txBody>
+          <a:bodyPr/>
+          <a:lstStyle/>
+          <a:p>
+            <a:endParaRPr lang="pt-BR"/>
+          </a:p>
+        </p:txBody>
       </p:sp>
       <p:sp>
         <p:nvSpPr>
@@ -2608,6 +2719,13 @@
           </a:solidFill>
           <a:ln/>
         </p:spPr>
+        <p:txBody>
+          <a:bodyPr/>
+          <a:lstStyle/>
+          <a:p>
+            <a:endParaRPr lang="pt-BR"/>
+          </a:p>
+        </p:txBody>
       </p:sp>
       <p:sp>
         <p:nvSpPr>
@@ -2630,6 +2748,13 @@
           </a:solidFill>
           <a:ln/>
         </p:spPr>
+        <p:txBody>
+          <a:bodyPr/>
+          <a:lstStyle/>
+          <a:p>
+            <a:endParaRPr lang="pt-BR"/>
+          </a:p>
+        </p:txBody>
       </p:sp>
       <p:sp>
         <p:nvSpPr>
@@ -2743,6 +2868,13 @@
           </a:solidFill>
           <a:ln/>
         </p:spPr>
+        <p:txBody>
+          <a:bodyPr/>
+          <a:lstStyle/>
+          <a:p>
+            <a:endParaRPr lang="pt-BR"/>
+          </a:p>
+        </p:txBody>
       </p:sp>
       <p:sp>
         <p:nvSpPr>
@@ -2765,6 +2897,13 @@
           </a:solidFill>
           <a:ln/>
         </p:spPr>
+        <p:txBody>
+          <a:bodyPr/>
+          <a:lstStyle/>
+          <a:p>
+            <a:endParaRPr lang="pt-BR"/>
+          </a:p>
+        </p:txBody>
       </p:sp>
       <p:sp>
         <p:nvSpPr>
@@ -2878,6 +3017,13 @@
           </a:solidFill>
           <a:ln/>
         </p:spPr>
+        <p:txBody>
+          <a:bodyPr/>
+          <a:lstStyle/>
+          <a:p>
+            <a:endParaRPr lang="pt-BR"/>
+          </a:p>
+        </p:txBody>
       </p:sp>
       <p:sp>
         <p:nvSpPr>
@@ -2900,6 +3046,13 @@
           </a:solidFill>
           <a:ln/>
         </p:spPr>
+        <p:txBody>
+          <a:bodyPr/>
+          <a:lstStyle/>
+          <a:p>
+            <a:endParaRPr lang="pt-BR"/>
+          </a:p>
+        </p:txBody>
       </p:sp>
       <p:sp>
         <p:nvSpPr>
@@ -3013,6 +3166,13 @@
           </a:solidFill>
           <a:ln/>
         </p:spPr>
+        <p:txBody>
+          <a:bodyPr/>
+          <a:lstStyle/>
+          <a:p>
+            <a:endParaRPr lang="pt-BR"/>
+          </a:p>
+        </p:txBody>
       </p:sp>
       <p:sp>
         <p:nvSpPr>
@@ -3035,6 +3195,13 @@
           </a:solidFill>
           <a:ln/>
         </p:spPr>
+        <p:txBody>
+          <a:bodyPr/>
+          <a:lstStyle/>
+          <a:p>
+            <a:endParaRPr lang="pt-BR"/>
+          </a:p>
+        </p:txBody>
       </p:sp>
       <p:sp>
         <p:nvSpPr>
@@ -3148,6 +3315,13 @@
           </a:solidFill>
           <a:ln/>
         </p:spPr>
+        <p:txBody>
+          <a:bodyPr/>
+          <a:lstStyle/>
+          <a:p>
+            <a:endParaRPr lang="pt-BR"/>
+          </a:p>
+        </p:txBody>
       </p:sp>
       <p:sp>
         <p:nvSpPr>
@@ -3170,6 +3344,13 @@
           </a:solidFill>
           <a:ln/>
         </p:spPr>
+        <p:txBody>
+          <a:bodyPr/>
+          <a:lstStyle/>
+          <a:p>
+            <a:endParaRPr lang="pt-BR"/>
+          </a:p>
+        </p:txBody>
       </p:sp>
       <p:sp>
         <p:nvSpPr>
@@ -3405,6 +3586,13 @@
           </a:solidFill>
           <a:ln/>
         </p:spPr>
+        <p:txBody>
+          <a:bodyPr/>
+          <a:lstStyle/>
+          <a:p>
+            <a:endParaRPr lang="pt-BR"/>
+          </a:p>
+        </p:txBody>
       </p:sp>
       <p:sp>
         <p:nvSpPr>
@@ -3427,6 +3615,13 @@
           </a:solidFill>
           <a:ln/>
         </p:spPr>
+        <p:txBody>
+          <a:bodyPr/>
+          <a:lstStyle/>
+          <a:p>
+            <a:endParaRPr lang="pt-BR"/>
+          </a:p>
+        </p:txBody>
       </p:sp>
       <p:sp>
         <p:nvSpPr>
@@ -3449,6 +3644,13 @@
           </a:solidFill>
           <a:ln/>
         </p:spPr>
+        <p:txBody>
+          <a:bodyPr/>
+          <a:lstStyle/>
+          <a:p>
+            <a:endParaRPr lang="pt-BR"/>
+          </a:p>
+        </p:txBody>
       </p:sp>
       <p:sp>
         <p:nvSpPr>
@@ -3597,6 +3799,13 @@
           </a:solidFill>
           <a:ln/>
         </p:spPr>
+        <p:txBody>
+          <a:bodyPr/>
+          <a:lstStyle/>
+          <a:p>
+            <a:endParaRPr lang="pt-BR"/>
+          </a:p>
+        </p:txBody>
       </p:sp>
       <p:sp>
         <p:nvSpPr>
@@ -3619,6 +3828,13 @@
           </a:solidFill>
           <a:ln/>
         </p:spPr>
+        <p:txBody>
+          <a:bodyPr/>
+          <a:lstStyle/>
+          <a:p>
+            <a:endParaRPr lang="pt-BR"/>
+          </a:p>
+        </p:txBody>
       </p:sp>
       <p:sp>
         <p:nvSpPr>
@@ -3811,6 +4027,13 @@
           </a:solidFill>
           <a:ln/>
         </p:spPr>
+        <p:txBody>
+          <a:bodyPr/>
+          <a:lstStyle/>
+          <a:p>
+            <a:endParaRPr lang="pt-BR"/>
+          </a:p>
+        </p:txBody>
       </p:sp>
       <p:sp>
         <p:nvSpPr>
@@ -3833,6 +4056,13 @@
           </a:solidFill>
           <a:ln/>
         </p:spPr>
+        <p:txBody>
+          <a:bodyPr/>
+          <a:lstStyle/>
+          <a:p>
+            <a:endParaRPr lang="pt-BR"/>
+          </a:p>
+        </p:txBody>
       </p:sp>
       <p:sp>
         <p:nvSpPr>
@@ -3981,6 +4211,13 @@
           </a:solidFill>
           <a:ln/>
         </p:spPr>
+        <p:txBody>
+          <a:bodyPr/>
+          <a:lstStyle/>
+          <a:p>
+            <a:endParaRPr lang="pt-BR"/>
+          </a:p>
+        </p:txBody>
       </p:sp>
       <p:sp>
         <p:nvSpPr>
@@ -4003,6 +4240,13 @@
           </a:solidFill>
           <a:ln/>
         </p:spPr>
+        <p:txBody>
+          <a:bodyPr/>
+          <a:lstStyle/>
+          <a:p>
+            <a:endParaRPr lang="pt-BR"/>
+          </a:p>
+        </p:txBody>
       </p:sp>
       <p:sp>
         <p:nvSpPr>
@@ -4151,6 +4395,13 @@
           </a:solidFill>
           <a:ln/>
         </p:spPr>
+        <p:txBody>
+          <a:bodyPr/>
+          <a:lstStyle/>
+          <a:p>
+            <a:endParaRPr lang="pt-BR"/>
+          </a:p>
+        </p:txBody>
       </p:sp>
       <p:sp>
         <p:nvSpPr>
@@ -4173,6 +4424,13 @@
           </a:solidFill>
           <a:ln/>
         </p:spPr>
+        <p:txBody>
+          <a:bodyPr/>
+          <a:lstStyle/>
+          <a:p>
+            <a:endParaRPr lang="pt-BR"/>
+          </a:p>
+        </p:txBody>
       </p:sp>
       <p:sp>
         <p:nvSpPr>
@@ -4321,6 +4579,13 @@
           </a:solidFill>
           <a:ln/>
         </p:spPr>
+        <p:txBody>
+          <a:bodyPr/>
+          <a:lstStyle/>
+          <a:p>
+            <a:endParaRPr lang="pt-BR"/>
+          </a:p>
+        </p:txBody>
       </p:sp>
       <p:sp>
         <p:nvSpPr>
@@ -4343,6 +4608,13 @@
           </a:solidFill>
           <a:ln/>
         </p:spPr>
+        <p:txBody>
+          <a:bodyPr/>
+          <a:lstStyle/>
+          <a:p>
+            <a:endParaRPr lang="pt-BR"/>
+          </a:p>
+        </p:txBody>
       </p:sp>
       <p:sp>
         <p:nvSpPr>
@@ -4491,6 +4763,13 @@
           </a:solidFill>
           <a:ln/>
         </p:spPr>
+        <p:txBody>
+          <a:bodyPr/>
+          <a:lstStyle/>
+          <a:p>
+            <a:endParaRPr lang="pt-BR"/>
+          </a:p>
+        </p:txBody>
       </p:sp>
       <p:sp>
         <p:nvSpPr>
@@ -4513,6 +4792,13 @@
           </a:solidFill>
           <a:ln/>
         </p:spPr>
+        <p:txBody>
+          <a:bodyPr/>
+          <a:lstStyle/>
+          <a:p>
+            <a:endParaRPr lang="pt-BR"/>
+          </a:p>
+        </p:txBody>
       </p:sp>
       <p:sp>
         <p:nvSpPr>
@@ -4661,6 +4947,13 @@
           </a:solidFill>
           <a:ln/>
         </p:spPr>
+        <p:txBody>
+          <a:bodyPr/>
+          <a:lstStyle/>
+          <a:p>
+            <a:endParaRPr lang="pt-BR"/>
+          </a:p>
+        </p:txBody>
       </p:sp>
       <p:sp>
         <p:nvSpPr>
@@ -4683,6 +4976,13 @@
           </a:solidFill>
           <a:ln/>
         </p:spPr>
+        <p:txBody>
+          <a:bodyPr/>
+          <a:lstStyle/>
+          <a:p>
+            <a:endParaRPr lang="pt-BR"/>
+          </a:p>
+        </p:txBody>
       </p:sp>
       <p:sp>
         <p:nvSpPr>
@@ -5255,6 +5555,13 @@
           </a:solidFill>
           <a:ln/>
         </p:spPr>
+        <p:txBody>
+          <a:bodyPr/>
+          <a:lstStyle/>
+          <a:p>
+            <a:endParaRPr lang="pt-BR"/>
+          </a:p>
+        </p:txBody>
       </p:sp>
       <p:sp>
         <p:nvSpPr>
@@ -5277,6 +5584,13 @@
           </a:solidFill>
           <a:ln/>
         </p:spPr>
+        <p:txBody>
+          <a:bodyPr/>
+          <a:lstStyle/>
+          <a:p>
+            <a:endParaRPr lang="pt-BR"/>
+          </a:p>
+        </p:txBody>
       </p:sp>
       <p:sp>
         <p:nvSpPr>
@@ -5299,6 +5613,13 @@
           </a:solidFill>
           <a:ln/>
         </p:spPr>
+        <p:txBody>
+          <a:bodyPr/>
+          <a:lstStyle/>
+          <a:p>
+            <a:endParaRPr lang="pt-BR"/>
+          </a:p>
+        </p:txBody>
       </p:sp>
       <p:sp>
         <p:nvSpPr>
@@ -5447,6 +5768,13 @@
           </a:solidFill>
           <a:ln/>
         </p:spPr>
+        <p:txBody>
+          <a:bodyPr/>
+          <a:lstStyle/>
+          <a:p>
+            <a:endParaRPr lang="pt-BR"/>
+          </a:p>
+        </p:txBody>
       </p:sp>
       <p:sp>
         <p:nvSpPr>
@@ -5469,6 +5797,13 @@
           </a:solidFill>
           <a:ln/>
         </p:spPr>
+        <p:txBody>
+          <a:bodyPr/>
+          <a:lstStyle/>
+          <a:p>
+            <a:endParaRPr lang="pt-BR"/>
+          </a:p>
+        </p:txBody>
       </p:sp>
       <p:sp>
         <p:nvSpPr>
@@ -5617,6 +5952,13 @@
           </a:solidFill>
           <a:ln/>
         </p:spPr>
+        <p:txBody>
+          <a:bodyPr/>
+          <a:lstStyle/>
+          <a:p>
+            <a:endParaRPr lang="pt-BR"/>
+          </a:p>
+        </p:txBody>
       </p:sp>
       <p:sp>
         <p:nvSpPr>
@@ -5639,6 +5981,13 @@
           </a:solidFill>
           <a:ln/>
         </p:spPr>
+        <p:txBody>
+          <a:bodyPr/>
+          <a:lstStyle/>
+          <a:p>
+            <a:endParaRPr lang="pt-BR"/>
+          </a:p>
+        </p:txBody>
       </p:sp>
       <p:sp>
         <p:nvSpPr>
@@ -5788,7 +6137,7 @@
         </p:blipFill>
         <p:spPr>
           <a:xfrm>
-            <a:off x="9281829" y="-154395"/>
+            <a:off x="9144000" y="-100800"/>
             <a:ext cx="5348571" cy="8330400"/>
           </a:xfrm>
           <a:prstGeom prst="rect">
@@ -5953,6 +6302,13 @@
           </a:solidFill>
           <a:ln/>
         </p:spPr>
+        <p:txBody>
+          <a:bodyPr/>
+          <a:lstStyle/>
+          <a:p>
+            <a:endParaRPr lang="pt-BR"/>
+          </a:p>
+        </p:txBody>
       </p:sp>
       <p:sp>
         <p:nvSpPr>
@@ -6101,6 +6457,13 @@
           </a:solidFill>
           <a:ln/>
         </p:spPr>
+        <p:txBody>
+          <a:bodyPr/>
+          <a:lstStyle/>
+          <a:p>
+            <a:endParaRPr lang="pt-BR"/>
+          </a:p>
+        </p:txBody>
       </p:sp>
       <p:sp>
         <p:nvSpPr>
@@ -6249,6 +6612,13 @@
           </a:solidFill>
           <a:ln/>
         </p:spPr>
+        <p:txBody>
+          <a:bodyPr/>
+          <a:lstStyle/>
+          <a:p>
+            <a:endParaRPr lang="pt-BR"/>
+          </a:p>
+        </p:txBody>
       </p:sp>
       <p:sp>
         <p:nvSpPr>
@@ -6563,6 +6933,13 @@
           </a:solidFill>
           <a:ln/>
         </p:spPr>
+        <p:txBody>
+          <a:bodyPr/>
+          <a:lstStyle/>
+          <a:p>
+            <a:endParaRPr lang="pt-BR"/>
+          </a:p>
+        </p:txBody>
       </p:sp>
       <p:sp>
         <p:nvSpPr>
@@ -6711,6 +7088,13 @@
           </a:solidFill>
           <a:ln/>
         </p:spPr>
+        <p:txBody>
+          <a:bodyPr/>
+          <a:lstStyle/>
+          <a:p>
+            <a:endParaRPr lang="pt-BR"/>
+          </a:p>
+        </p:txBody>
       </p:sp>
       <p:sp>
         <p:nvSpPr>
@@ -6859,6 +7243,13 @@
           </a:solidFill>
           <a:ln/>
         </p:spPr>
+        <p:txBody>
+          <a:bodyPr/>
+          <a:lstStyle/>
+          <a:p>
+            <a:endParaRPr lang="pt-BR"/>
+          </a:p>
+        </p:txBody>
       </p:sp>
       <p:sp>
         <p:nvSpPr>
@@ -7230,6 +7621,13 @@
           </a:solidFill>
           <a:ln/>
         </p:spPr>
+        <p:txBody>
+          <a:bodyPr/>
+          <a:lstStyle/>
+          <a:p>
+            <a:endParaRPr lang="pt-BR"/>
+          </a:p>
+        </p:txBody>
       </p:sp>
       <p:sp>
         <p:nvSpPr>
@@ -7252,6 +7650,13 @@
           </a:solidFill>
           <a:ln/>
         </p:spPr>
+        <p:txBody>
+          <a:bodyPr/>
+          <a:lstStyle/>
+          <a:p>
+            <a:endParaRPr lang="pt-BR"/>
+          </a:p>
+        </p:txBody>
       </p:sp>
       <p:sp>
         <p:nvSpPr>
@@ -7274,6 +7679,13 @@
           </a:solidFill>
           <a:ln/>
         </p:spPr>
+        <p:txBody>
+          <a:bodyPr/>
+          <a:lstStyle/>
+          <a:p>
+            <a:endParaRPr lang="pt-BR"/>
+          </a:p>
+        </p:txBody>
       </p:sp>
       <p:sp>
         <p:nvSpPr>
@@ -7422,6 +7834,13 @@
           </a:solidFill>
           <a:ln/>
         </p:spPr>
+        <p:txBody>
+          <a:bodyPr/>
+          <a:lstStyle/>
+          <a:p>
+            <a:endParaRPr lang="pt-BR"/>
+          </a:p>
+        </p:txBody>
       </p:sp>
       <p:sp>
         <p:nvSpPr>
@@ -7444,6 +7863,13 @@
           </a:solidFill>
           <a:ln/>
         </p:spPr>
+        <p:txBody>
+          <a:bodyPr/>
+          <a:lstStyle/>
+          <a:p>
+            <a:endParaRPr lang="pt-BR"/>
+          </a:p>
+        </p:txBody>
       </p:sp>
       <p:sp>
         <p:nvSpPr>
@@ -7592,6 +8018,13 @@
           </a:solidFill>
           <a:ln/>
         </p:spPr>
+        <p:txBody>
+          <a:bodyPr/>
+          <a:lstStyle/>
+          <a:p>
+            <a:endParaRPr lang="pt-BR"/>
+          </a:p>
+        </p:txBody>
       </p:sp>
       <p:sp>
         <p:nvSpPr>
@@ -7614,6 +8047,13 @@
           </a:solidFill>
           <a:ln/>
         </p:spPr>
+        <p:txBody>
+          <a:bodyPr/>
+          <a:lstStyle/>
+          <a:p>
+            <a:endParaRPr lang="pt-BR"/>
+          </a:p>
+        </p:txBody>
       </p:sp>
       <p:sp>
         <p:nvSpPr>
@@ -7801,7 +8241,7 @@
       </p:grpSpPr>
       <p:pic>
         <p:nvPicPr>
-          <p:cNvPr id="2" name="Image 0" descr="preencoded.png"/>
+          <p:cNvPr id="2" name="Image 0"/>
           <p:cNvPicPr>
             <a:picLocks noChangeAspect="1"/>
           </p:cNvPicPr>
@@ -7809,44 +8249,19 @@
         </p:nvPicPr>
         <p:blipFill>
           <a:blip r:embed="rId3"/>
-          <a:stretch>
-            <a:fillRect/>
-          </a:stretch>
+          <a:srcRect/>
+          <a:stretch/>
         </p:blipFill>
         <p:spPr>
-          <a:xfrm>
-            <a:off x="0" y="0"/>
-            <a:ext cx="5486400" cy="8229600"/>
+          <a:xfrm rot="861261">
+            <a:off x="-35931" y="1806648"/>
+            <a:ext cx="5303569" cy="5303569"/>
           </a:xfrm>
           <a:prstGeom prst="rect">
             <a:avLst/>
           </a:prstGeom>
         </p:spPr>
       </p:pic>
-      <p:pic>
-        <p:nvPicPr>
-          <p:cNvPr id="3" name="Image 1" descr="preencoded.png"/>
-          <p:cNvPicPr>
-            <a:picLocks noChangeAspect="1"/>
-          </p:cNvPicPr>
-          <p:nvPr/>
-        </p:nvPicPr>
-        <p:blipFill>
-          <a:blip r:embed="rId4"/>
-          <a:stretch>
-            <a:fillRect/>
-          </a:stretch>
-        </p:blipFill>
-        <p:spPr>
-          <a:xfrm>
-            <a:off x="937260" y="2308860"/>
-            <a:ext cx="3611880" cy="3611880"/>
-          </a:xfrm>
-          <a:prstGeom prst="rect">
-            <a:avLst/>
-          </a:prstGeom>
-        </p:spPr>
-      </p:pic>
       <p:sp>
         <p:nvSpPr>
           <p:cNvPr id="4" name="Text 0"/>
@@ -7855,7 +8270,7 @@
         </p:nvSpPr>
         <p:spPr>
           <a:xfrm>
-            <a:off x="5119859" y="3016881"/>
+            <a:off x="5533736" y="1497511"/>
             <a:ext cx="6480810" cy="809982"/>
           </a:xfrm>
           <a:prstGeom prst="rect">
@@ -7875,7 +8290,7 @@
               <a:buNone/>
             </a:pPr>
             <a:r>
-              <a:rPr lang="en-US" sz="5100" dirty="0">
+              <a:rPr lang="en-US" sz="5100" dirty="0" err="1">
                 <a:solidFill>
                   <a:srgbClr val="020202"/>
                 </a:solidFill>
@@ -7883,7 +8298,18 @@
                 <a:ea typeface="PT Serif" pitchFamily="34" charset="-122"/>
                 <a:cs typeface="PT Serif" pitchFamily="34" charset="-120"/>
               </a:rPr>
-              <a:t>Dúvidas</a:t>
+              <a:t>Apresentação</a:t>
+            </a:r>
+            <a:r>
+              <a:rPr lang="en-US" sz="5100" dirty="0">
+                <a:solidFill>
+                  <a:srgbClr val="020202"/>
+                </a:solidFill>
+                <a:latin typeface="PT Serif" pitchFamily="34" charset="0"/>
+                <a:ea typeface="PT Serif" pitchFamily="34" charset="-122"/>
+                <a:cs typeface="PT Serif" pitchFamily="34" charset="-120"/>
+              </a:rPr>
+              <a:t> do Sistema Mobile</a:t>
             </a:r>
             <a:endParaRPr lang="en-US" sz="5100" dirty="0"/>
           </a:p>
@@ -7897,7 +8323,7 @@
         </p:nvSpPr>
         <p:spPr>
           <a:xfrm>
-            <a:off x="5069350" y="4205213"/>
+            <a:off x="5856260" y="2923846"/>
             <a:ext cx="7415927" cy="395049"/>
           </a:xfrm>
           <a:prstGeom prst="rect">
@@ -7917,7 +8343,7 @@
               <a:buNone/>
             </a:pPr>
             <a:r>
-              <a:rPr lang="en-US" sz="1900" dirty="0">
+              <a:rPr lang="en-US" sz="1900" dirty="0" err="1">
                 <a:solidFill>
                   <a:srgbClr val="383838"/>
                 </a:solidFill>
@@ -7925,39 +8351,8 @@
                 <a:ea typeface="DM Sans" pitchFamily="34" charset="-122"/>
                 <a:cs typeface="DM Sans" pitchFamily="34" charset="-120"/>
               </a:rPr>
-              <a:t>Obrigado pela sua atenção!</a:t>
-            </a:r>
-            <a:endParaRPr lang="en-US" sz="1900" dirty="0"/>
-          </a:p>
-        </p:txBody>
-      </p:sp>
-      <p:sp>
-        <p:nvSpPr>
-          <p:cNvPr id="6" name="Text 2"/>
-          <p:cNvSpPr/>
-          <p:nvPr/>
-        </p:nvSpPr>
-        <p:spPr>
-          <a:xfrm>
-            <a:off x="4652300" y="4869851"/>
-            <a:ext cx="7415927" cy="395049"/>
-          </a:xfrm>
-          <a:prstGeom prst="rect">
-            <a:avLst/>
-          </a:prstGeom>
-          <a:noFill/>
-          <a:ln/>
-        </p:spPr>
-        <p:txBody>
-          <a:bodyPr wrap="none" lIns="0" tIns="0" rIns="0" bIns="0" rtlCol="0" anchor="t"/>
-          <a:lstStyle/>
-          <a:p>
-            <a:pPr marL="0" indent="0" algn="ctr">
-              <a:lnSpc>
-                <a:spcPts val="3100"/>
-              </a:lnSpc>
-              <a:buNone/>
-            </a:pPr>
+              <a:t>Aproveitem</a:t>
+            </a:r>
             <a:r>
               <a:rPr lang="en-US" sz="1900" dirty="0">
                 <a:solidFill>
@@ -7967,7 +8362,51 @@
                 <a:ea typeface="DM Sans" pitchFamily="34" charset="-122"/>
                 <a:cs typeface="DM Sans" pitchFamily="34" charset="-120"/>
               </a:rPr>
-              <a:t>Tem alguma dúvida?</a:t>
+              <a:t> a </a:t>
+            </a:r>
+            <a:r>
+              <a:rPr lang="en-US" sz="1900" dirty="0" err="1">
+                <a:solidFill>
+                  <a:srgbClr val="383838"/>
+                </a:solidFill>
+                <a:latin typeface="DM Sans" pitchFamily="34" charset="0"/>
+                <a:ea typeface="DM Sans" pitchFamily="34" charset="-122"/>
+                <a:cs typeface="DM Sans" pitchFamily="34" charset="-120"/>
+              </a:rPr>
+              <a:t>nossa</a:t>
+            </a:r>
+            <a:r>
+              <a:rPr lang="en-US" sz="1900" dirty="0">
+                <a:solidFill>
+                  <a:srgbClr val="383838"/>
+                </a:solidFill>
+                <a:latin typeface="DM Sans" pitchFamily="34" charset="0"/>
+                <a:ea typeface="DM Sans" pitchFamily="34" charset="-122"/>
+                <a:cs typeface="DM Sans" pitchFamily="34" charset="-120"/>
+              </a:rPr>
+              <a:t> </a:t>
+            </a:r>
+            <a:r>
+              <a:rPr lang="en-US" sz="1900" dirty="0" err="1">
+                <a:solidFill>
+                  <a:srgbClr val="383838"/>
+                </a:solidFill>
+                <a:latin typeface="DM Sans" pitchFamily="34" charset="0"/>
+                <a:ea typeface="DM Sans" pitchFamily="34" charset="-122"/>
+                <a:cs typeface="DM Sans" pitchFamily="34" charset="-120"/>
+              </a:rPr>
+              <a:t>apresentação</a:t>
+            </a:r>
+            <a:r>
+              <a:rPr lang="en-US" sz="1900" dirty="0">
+                <a:solidFill>
+                  <a:srgbClr val="383838"/>
+                </a:solidFill>
+                <a:latin typeface="DM Sans" pitchFamily="34" charset="0"/>
+                <a:ea typeface="DM Sans" pitchFamily="34" charset="-122"/>
+                <a:cs typeface="DM Sans" pitchFamily="34" charset="-120"/>
+              </a:rPr>
+              <a:t>!!</a:t>
             </a:r>
             <a:endParaRPr lang="en-US" sz="1900" dirty="0"/>
           </a:p>
@@ -8025,7 +8464,368 @@
           </a:p>
         </p:txBody>
       </p:sp>
+      <p:sp>
+        <p:nvSpPr>
+          <p:cNvPr id="8" name="CaixaDeTexto 7">
+            <a:extLst>
+              <a:ext uri="{FF2B5EF4-FFF2-40B4-BE49-F238E27FC236}">
+                <a16:creationId xmlns:a16="http://schemas.microsoft.com/office/drawing/2014/main" id="{0F1CC34D-80D2-A332-D623-0D2055FCC1FA}"/>
+              </a:ext>
+            </a:extLst>
+          </p:cNvPr>
+          <p:cNvSpPr txBox="1"/>
+          <p:nvPr/>
+        </p:nvSpPr>
+        <p:spPr>
+          <a:xfrm>
+            <a:off x="6975039" y="3486272"/>
+            <a:ext cx="5560747" cy="369332"/>
+          </a:xfrm>
+          <a:prstGeom prst="rect">
+            <a:avLst/>
+          </a:prstGeom>
+          <a:noFill/>
+        </p:spPr>
+        <p:txBody>
+          <a:bodyPr wrap="square" rtlCol="0">
+            <a:spAutoFit/>
+          </a:bodyPr>
+          <a:lstStyle/>
+          <a:p>
+            <a:pPr algn="ctr"/>
+            <a:r>
+              <a:rPr lang="pt-BR" dirty="0"/>
+              <a:t>Espero que gostem.</a:t>
+            </a:r>
+          </a:p>
+        </p:txBody>
+      </p:sp>
+      <p:pic>
+        <p:nvPicPr>
+          <p:cNvPr id="10" name="Imagem 9" descr="Imagem de jogo de vídeo game&#10;&#10;Descrição gerada automaticamente com confiança média">
+            <a:extLst>
+              <a:ext uri="{FF2B5EF4-FFF2-40B4-BE49-F238E27FC236}">
+                <a16:creationId xmlns:a16="http://schemas.microsoft.com/office/drawing/2014/main" id="{4B972BAB-9755-9A59-3F66-F70615CF3ED3}"/>
+              </a:ext>
+            </a:extLst>
+          </p:cNvPr>
+          <p:cNvPicPr>
+            <a:picLocks noChangeAspect="1"/>
+          </p:cNvPicPr>
+          <p:nvPr/>
+        </p:nvPicPr>
+        <p:blipFill>
+          <a:blip r:embed="rId4"/>
+          <a:stretch>
+            <a:fillRect/>
+          </a:stretch>
+        </p:blipFill>
+        <p:spPr>
+          <a:xfrm rot="20633140">
+            <a:off x="12072204" y="5863009"/>
+            <a:ext cx="1738158" cy="1738158"/>
+          </a:xfrm>
+          <a:prstGeom prst="rect">
+            <a:avLst/>
+          </a:prstGeom>
+        </p:spPr>
+      </p:pic>
     </p:spTree>
+  </p:cSld>
+  <p:clrMapOvr>
+    <a:masterClrMapping/>
+  </p:clrMapOvr>
+  <p:transition spd="slow">
+    <p:push dir="u"/>
+  </p:transition>
+</p:sld>
+</file>
+
+<file path=ppt/slides/slide9.xml><?xml version="1.0" encoding="utf-8"?>
+<p:sld xmlns:a="http://schemas.openxmlformats.org/drawingml/2006/main" xmlns:r="http://schemas.openxmlformats.org/officeDocument/2006/relationships" xmlns:p="http://schemas.openxmlformats.org/presentationml/2006/main">
+  <p:cSld>
+    <p:spTree>
+      <p:nvGrpSpPr>
+        <p:cNvPr id="1" name="">
+          <a:extLst>
+            <a:ext uri="{FF2B5EF4-FFF2-40B4-BE49-F238E27FC236}">
+              <a16:creationId xmlns:a16="http://schemas.microsoft.com/office/drawing/2014/main" id="{758D7AE6-A3CF-417C-2A97-4E8565E80E2D}"/>
+            </a:ext>
+          </a:extLst>
+        </p:cNvPr>
+        <p:cNvGrpSpPr/>
+        <p:nvPr/>
+      </p:nvGrpSpPr>
+      <p:grpSpPr>
+        <a:xfrm>
+          <a:off x="0" y="0"/>
+          <a:ext cx="0" cy="0"/>
+          <a:chOff x="0" y="0"/>
+          <a:chExt cx="0" cy="0"/>
+        </a:xfrm>
+      </p:grpSpPr>
+      <p:pic>
+        <p:nvPicPr>
+          <p:cNvPr id="2" name="Image 0" descr="preencoded.png">
+            <a:extLst>
+              <a:ext uri="{FF2B5EF4-FFF2-40B4-BE49-F238E27FC236}">
+                <a16:creationId xmlns:a16="http://schemas.microsoft.com/office/drawing/2014/main" id="{3D964573-9F4C-51CE-D45D-CBE94BF73EB3}"/>
+              </a:ext>
+            </a:extLst>
+          </p:cNvPr>
+          <p:cNvPicPr>
+            <a:picLocks noChangeAspect="1"/>
+          </p:cNvPicPr>
+          <p:nvPr/>
+        </p:nvPicPr>
+        <p:blipFill>
+          <a:blip r:embed="rId3"/>
+          <a:stretch>
+            <a:fillRect/>
+          </a:stretch>
+        </p:blipFill>
+        <p:spPr>
+          <a:xfrm>
+            <a:off x="0" y="0"/>
+            <a:ext cx="5486400" cy="8229600"/>
+          </a:xfrm>
+          <a:prstGeom prst="rect">
+            <a:avLst/>
+          </a:prstGeom>
+        </p:spPr>
+      </p:pic>
+      <p:pic>
+        <p:nvPicPr>
+          <p:cNvPr id="3" name="Image 1" descr="preencoded.png">
+            <a:extLst>
+              <a:ext uri="{FF2B5EF4-FFF2-40B4-BE49-F238E27FC236}">
+                <a16:creationId xmlns:a16="http://schemas.microsoft.com/office/drawing/2014/main" id="{53BF7B98-71A2-41EB-3C2F-58A0D2A7FF67}"/>
+              </a:ext>
+            </a:extLst>
+          </p:cNvPr>
+          <p:cNvPicPr>
+            <a:picLocks noChangeAspect="1"/>
+          </p:cNvPicPr>
+          <p:nvPr/>
+        </p:nvPicPr>
+        <p:blipFill>
+          <a:blip r:embed="rId4"/>
+          <a:stretch>
+            <a:fillRect/>
+          </a:stretch>
+        </p:blipFill>
+        <p:spPr>
+          <a:xfrm>
+            <a:off x="937260" y="2308860"/>
+            <a:ext cx="3611880" cy="3611880"/>
+          </a:xfrm>
+          <a:prstGeom prst="rect">
+            <a:avLst/>
+          </a:prstGeom>
+        </p:spPr>
+      </p:pic>
+      <p:sp>
+        <p:nvSpPr>
+          <p:cNvPr id="4" name="Text 0">
+            <a:extLst>
+              <a:ext uri="{FF2B5EF4-FFF2-40B4-BE49-F238E27FC236}">
+                <a16:creationId xmlns:a16="http://schemas.microsoft.com/office/drawing/2014/main" id="{CB895626-67BE-9271-2E22-8B869441C919}"/>
+              </a:ext>
+            </a:extLst>
+          </p:cNvPr>
+          <p:cNvSpPr/>
+          <p:nvPr/>
+        </p:nvSpPr>
+        <p:spPr>
+          <a:xfrm>
+            <a:off x="5119859" y="3016881"/>
+            <a:ext cx="6480810" cy="809982"/>
+          </a:xfrm>
+          <a:prstGeom prst="rect">
+            <a:avLst/>
+          </a:prstGeom>
+          <a:noFill/>
+          <a:ln/>
+        </p:spPr>
+        <p:txBody>
+          <a:bodyPr wrap="none" lIns="0" tIns="0" rIns="0" bIns="0" rtlCol="0" anchor="t"/>
+          <a:lstStyle/>
+          <a:p>
+            <a:pPr marL="0" indent="0" algn="ctr">
+              <a:lnSpc>
+                <a:spcPts val="6350"/>
+              </a:lnSpc>
+              <a:buNone/>
+            </a:pPr>
+            <a:r>
+              <a:rPr lang="en-US" sz="5100" dirty="0">
+                <a:solidFill>
+                  <a:srgbClr val="020202"/>
+                </a:solidFill>
+                <a:latin typeface="PT Serif" pitchFamily="34" charset="0"/>
+                <a:ea typeface="PT Serif" pitchFamily="34" charset="-122"/>
+                <a:cs typeface="PT Serif" pitchFamily="34" charset="-120"/>
+              </a:rPr>
+              <a:t>Dúvidas</a:t>
+            </a:r>
+            <a:endParaRPr lang="en-US" sz="5100" dirty="0"/>
+          </a:p>
+        </p:txBody>
+      </p:sp>
+      <p:sp>
+        <p:nvSpPr>
+          <p:cNvPr id="5" name="Text 1">
+            <a:extLst>
+              <a:ext uri="{FF2B5EF4-FFF2-40B4-BE49-F238E27FC236}">
+                <a16:creationId xmlns:a16="http://schemas.microsoft.com/office/drawing/2014/main" id="{8B7AF95C-E87A-5158-5182-7344A0CE8642}"/>
+              </a:ext>
+            </a:extLst>
+          </p:cNvPr>
+          <p:cNvSpPr/>
+          <p:nvPr/>
+        </p:nvSpPr>
+        <p:spPr>
+          <a:xfrm>
+            <a:off x="5069350" y="4205213"/>
+            <a:ext cx="7415927" cy="395049"/>
+          </a:xfrm>
+          <a:prstGeom prst="rect">
+            <a:avLst/>
+          </a:prstGeom>
+          <a:noFill/>
+          <a:ln/>
+        </p:spPr>
+        <p:txBody>
+          <a:bodyPr wrap="none" lIns="0" tIns="0" rIns="0" bIns="0" rtlCol="0" anchor="t"/>
+          <a:lstStyle/>
+          <a:p>
+            <a:pPr marL="0" indent="0" algn="ctr">
+              <a:lnSpc>
+                <a:spcPts val="3100"/>
+              </a:lnSpc>
+              <a:buNone/>
+            </a:pPr>
+            <a:r>
+              <a:rPr lang="en-US" sz="1900" dirty="0">
+                <a:solidFill>
+                  <a:srgbClr val="383838"/>
+                </a:solidFill>
+                <a:latin typeface="DM Sans" pitchFamily="34" charset="0"/>
+                <a:ea typeface="DM Sans" pitchFamily="34" charset="-122"/>
+                <a:cs typeface="DM Sans" pitchFamily="34" charset="-120"/>
+              </a:rPr>
+              <a:t>Obrigado pela sua atenção!</a:t>
+            </a:r>
+            <a:endParaRPr lang="en-US" sz="1900" dirty="0"/>
+          </a:p>
+        </p:txBody>
+      </p:sp>
+      <p:sp>
+        <p:nvSpPr>
+          <p:cNvPr id="6" name="Text 2">
+            <a:extLst>
+              <a:ext uri="{FF2B5EF4-FFF2-40B4-BE49-F238E27FC236}">
+                <a16:creationId xmlns:a16="http://schemas.microsoft.com/office/drawing/2014/main" id="{EA798C22-93D1-D6BF-8BD3-6237ECBDC371}"/>
+              </a:ext>
+            </a:extLst>
+          </p:cNvPr>
+          <p:cNvSpPr/>
+          <p:nvPr/>
+        </p:nvSpPr>
+        <p:spPr>
+          <a:xfrm>
+            <a:off x="4652300" y="4869851"/>
+            <a:ext cx="7415927" cy="395049"/>
+          </a:xfrm>
+          <a:prstGeom prst="rect">
+            <a:avLst/>
+          </a:prstGeom>
+          <a:noFill/>
+          <a:ln/>
+        </p:spPr>
+        <p:txBody>
+          <a:bodyPr wrap="none" lIns="0" tIns="0" rIns="0" bIns="0" rtlCol="0" anchor="t"/>
+          <a:lstStyle/>
+          <a:p>
+            <a:pPr marL="0" indent="0" algn="ctr">
+              <a:lnSpc>
+                <a:spcPts val="3100"/>
+              </a:lnSpc>
+              <a:buNone/>
+            </a:pPr>
+            <a:r>
+              <a:rPr lang="en-US" sz="1900" dirty="0">
+                <a:solidFill>
+                  <a:srgbClr val="383838"/>
+                </a:solidFill>
+                <a:latin typeface="DM Sans" pitchFamily="34" charset="0"/>
+                <a:ea typeface="DM Sans" pitchFamily="34" charset="-122"/>
+                <a:cs typeface="DM Sans" pitchFamily="34" charset="-120"/>
+              </a:rPr>
+              <a:t>Tem alguma dúvida?</a:t>
+            </a:r>
+            <a:endParaRPr lang="en-US" sz="1900" dirty="0"/>
+          </a:p>
+        </p:txBody>
+      </p:sp>
+      <p:sp>
+        <p:nvSpPr>
+          <p:cNvPr id="7" name="Retângulo 6">
+            <a:extLst>
+              <a:ext uri="{FF2B5EF4-FFF2-40B4-BE49-F238E27FC236}">
+                <a16:creationId xmlns:a16="http://schemas.microsoft.com/office/drawing/2014/main" id="{352FE985-A86D-986C-320B-38FC2CBEF17A}"/>
+              </a:ext>
+            </a:extLst>
+          </p:cNvPr>
+          <p:cNvSpPr/>
+          <p:nvPr/>
+        </p:nvSpPr>
+        <p:spPr>
+          <a:xfrm>
+            <a:off x="12535786" y="7517219"/>
+            <a:ext cx="2094614" cy="712381"/>
+          </a:xfrm>
+          <a:prstGeom prst="rect">
+            <a:avLst/>
+          </a:prstGeom>
+          <a:solidFill>
+            <a:schemeClr val="bg1"/>
+          </a:solidFill>
+          <a:ln>
+            <a:noFill/>
+          </a:ln>
+        </p:spPr>
+        <p:style>
+          <a:lnRef idx="2">
+            <a:schemeClr val="accent1">
+              <a:shade val="50000"/>
+            </a:schemeClr>
+          </a:lnRef>
+          <a:fillRef idx="1">
+            <a:schemeClr val="accent1"/>
+          </a:fillRef>
+          <a:effectRef idx="0">
+            <a:schemeClr val="accent1"/>
+          </a:effectRef>
+          <a:fontRef idx="minor">
+            <a:schemeClr val="lt1"/>
+          </a:fontRef>
+        </p:style>
+        <p:txBody>
+          <a:bodyPr rtlCol="0" anchor="ctr"/>
+          <a:lstStyle/>
+          <a:p>
+            <a:pPr algn="ctr"/>
+            <a:endParaRPr lang="pt-BR"/>
+          </a:p>
+        </p:txBody>
+      </p:sp>
+    </p:spTree>
+    <p:extLst>
+      <p:ext uri="{BB962C8B-B14F-4D97-AF65-F5344CB8AC3E}">
+        <p14:creationId xmlns:p14="http://schemas.microsoft.com/office/powerpoint/2010/main" val="2776284278"/>
+      </p:ext>
+    </p:extLst>
   </p:cSld>
   <p:clrMapOvr>
     <a:masterClrMapping/>
